--- a/1_Intro_to_genomic_epi/Bioinformatics-101-ACEGID.pptx
+++ b/1_Intro_to_genomic_epi/Bioinformatics-101-ACEGID.pptx
@@ -1,6 +1,6 @@
 
 <file path=ppt/presentation.xml><?xml version="1.0" encoding="utf-8"?>
-<p:presentation xmlns:a="http://schemas.openxmlformats.org/drawingml/2006/main" xmlns:r="http://schemas.openxmlformats.org/officeDocument/2006/relationships" xmlns:p="http://schemas.openxmlformats.org/presentationml/2006/main" compatMode="1" saveSubsetFonts="1">
+<p:presentation xmlns:a="http://schemas.openxmlformats.org/drawingml/2006/main" xmlns:r="http://schemas.openxmlformats.org/officeDocument/2006/relationships" xmlns:p="http://schemas.openxmlformats.org/presentationml/2006/main" saveSubsetFonts="1">
   <p:sldMasterIdLst>
     <p:sldMasterId id="2147484272" r:id="rId1"/>
   </p:sldMasterIdLst>
@@ -767,7 +767,7 @@
                 <a:spcPct val="0"/>
               </a:spcBef>
             </a:pPr>
-            <a:endParaRPr lang="en-GB" altLang="en-US"/>
+            <a:endParaRPr lang="en-GB" altLang="en-US" dirty="0"/>
           </a:p>
         </p:txBody>
       </p:sp>
@@ -1968,7 +1968,7 @@
               <a:buChar char="§"/>
             </a:pPr>
             <a:r>
-              <a:rPr lang="en-US" altLang="en-US" sz="1000">
+              <a:rPr lang="en-US" altLang="en-US" sz="1000" dirty="0">
                 <a:latin typeface="Arial" panose="020B0604020202020204" pitchFamily="34" charset="0"/>
                 <a:cs typeface="Arial" panose="020B0604020202020204" pitchFamily="34" charset="0"/>
               </a:rPr>
@@ -1981,7 +1981,7 @@
               <a:buChar char="§"/>
             </a:pPr>
             <a:r>
-              <a:rPr lang="en-US" altLang="en-US" sz="1000">
+              <a:rPr lang="en-US" altLang="en-US" sz="1000" dirty="0">
                 <a:latin typeface="Arial" panose="020B0604020202020204" pitchFamily="34" charset="0"/>
                 <a:cs typeface="Arial" panose="020B0604020202020204" pitchFamily="34" charset="0"/>
               </a:rPr>
@@ -1994,11 +1994,39 @@
               <a:buChar char="§"/>
             </a:pPr>
             <a:r>
-              <a:rPr lang="en-ZA" altLang="en-US" sz="1000">
+              <a:rPr lang="en-ZA" altLang="en-US" sz="1000" dirty="0">
                 <a:latin typeface="Arial" panose="020B0604020202020204" pitchFamily="34" charset="0"/>
                 <a:cs typeface="Arial" panose="020B0604020202020204" pitchFamily="34" charset="0"/>
               </a:rPr>
-              <a:t>Docking analysis could be a cheaper alternative to genotyping DRT. Most findings overlapped with Stanford HIVdb interpretation but few discrepancies due to subtype differences. Stanford HIVdb and PIs constructed within the framework of subtype B, which is the commonest in Europe. Subtype C is the commonest circulating strain in India. Stanford’s report showed that one particular female with major and minor mutations could not utilize LPV, yet docking indicated the converse. Patient was placed on second-line regimen containing LPV. She finally with significant viral suppression.</a:t>
+              <a:t>Docking analysis could be a cheaper alternative to genotyping DRT. Most findings overlapped with Stanford </a:t>
+            </a:r>
+            <a:r>
+              <a:rPr lang="en-ZA" altLang="en-US" sz="1000" dirty="0" err="1">
+                <a:latin typeface="Arial" panose="020B0604020202020204" pitchFamily="34" charset="0"/>
+                <a:cs typeface="Arial" panose="020B0604020202020204" pitchFamily="34" charset="0"/>
+              </a:rPr>
+              <a:t>HIVdb</a:t>
+            </a:r>
+            <a:r>
+              <a:rPr lang="en-ZA" altLang="en-US" sz="1000" dirty="0">
+                <a:latin typeface="Arial" panose="020B0604020202020204" pitchFamily="34" charset="0"/>
+                <a:cs typeface="Arial" panose="020B0604020202020204" pitchFamily="34" charset="0"/>
+              </a:rPr>
+              <a:t> interpretation but few discrepancies due to subtype differences. Stanford </a:t>
+            </a:r>
+            <a:r>
+              <a:rPr lang="en-ZA" altLang="en-US" sz="1000" dirty="0" err="1">
+                <a:latin typeface="Arial" panose="020B0604020202020204" pitchFamily="34" charset="0"/>
+                <a:cs typeface="Arial" panose="020B0604020202020204" pitchFamily="34" charset="0"/>
+              </a:rPr>
+              <a:t>HIVdb</a:t>
+            </a:r>
+            <a:r>
+              <a:rPr lang="en-ZA" altLang="en-US" sz="1000" dirty="0">
+                <a:latin typeface="Arial" panose="020B0604020202020204" pitchFamily="34" charset="0"/>
+                <a:cs typeface="Arial" panose="020B0604020202020204" pitchFamily="34" charset="0"/>
+              </a:rPr>
+              <a:t> and PIs constructed within the framework of subtype B, which is the commonest in Europe. Subtype C is the commonest circulating strain in India. Stanford’s report showed that one particular female with major and minor mutations could not utilize LPV, yet docking indicated the converse. Patient was placed on second-line regimen containing LPV. She finally with significant viral suppression.</a:t>
             </a:r>
           </a:p>
         </p:txBody>
@@ -9240,7 +9268,7 @@
         </p:spPr>
         <p:txBody>
           <a:bodyPr>
-            <a:normAutofit fontScale="92500" lnSpcReduction="10000"/>
+            <a:normAutofit/>
           </a:bodyPr>
           <a:lstStyle/>
           <a:p>
@@ -9296,55 +9324,6 @@
                 <a:cs typeface="Arial" panose="020B0604020202020204" pitchFamily="34" charset="0"/>
               </a:rPr>
               <a:t>NHGRI, NIH</a:t>
-            </a:r>
-          </a:p>
-          <a:p>
-            <a:pPr algn="ctr" eaLnBrk="1" hangingPunct="1">
-              <a:defRPr/>
-            </a:pPr>
-            <a:endParaRPr lang="en-US" altLang="en-US" b="1" dirty="0">
-              <a:solidFill>
-                <a:schemeClr val="tx2"/>
-              </a:solidFill>
-              <a:latin typeface="Arial" panose="020B0604020202020204" pitchFamily="34" charset="0"/>
-              <a:cs typeface="Arial" panose="020B0604020202020204" pitchFamily="34" charset="0"/>
-            </a:endParaRPr>
-          </a:p>
-          <a:p>
-            <a:pPr algn="ctr" eaLnBrk="1" hangingPunct="1">
-              <a:buFont typeface="Arial" panose="020B0604020202020204" pitchFamily="34" charset="0"/>
-              <a:buNone/>
-              <a:defRPr/>
-            </a:pPr>
-            <a:r>
-              <a:rPr lang="en-US" altLang="en-US" b="1" dirty="0">
-                <a:solidFill>
-                  <a:srgbClr val="FF0000"/>
-                </a:solidFill>
-                <a:latin typeface="Arial" panose="020B0604020202020204" pitchFamily="34" charset="0"/>
-                <a:cs typeface="Arial" panose="020B0604020202020204" pitchFamily="34" charset="0"/>
-              </a:rPr>
-              <a:t>Tue., 14</a:t>
-            </a:r>
-            <a:r>
-              <a:rPr lang="en-US" altLang="en-US" b="1" baseline="30000" dirty="0">
-                <a:solidFill>
-                  <a:srgbClr val="FF0000"/>
-                </a:solidFill>
-                <a:latin typeface="Arial" panose="020B0604020202020204" pitchFamily="34" charset="0"/>
-                <a:cs typeface="Arial" panose="020B0604020202020204" pitchFamily="34" charset="0"/>
-              </a:rPr>
-              <a:t>th</a:t>
-            </a:r>
-            <a:r>
-              <a:rPr lang="en-US" altLang="en-US" b="1" dirty="0">
-                <a:solidFill>
-                  <a:srgbClr val="FF0000"/>
-                </a:solidFill>
-                <a:latin typeface="Arial" panose="020B0604020202020204" pitchFamily="34" charset="0"/>
-                <a:cs typeface="Arial" panose="020B0604020202020204" pitchFamily="34" charset="0"/>
-              </a:rPr>
-              <a:t> February 2023</a:t>
             </a:r>
           </a:p>
         </p:txBody>
